--- a/Проект «Bomb Destroyer».pptx
+++ b/Проект «Bomb Destroyer».pptx
@@ -8,14 +8,16 @@
     <p:sldId id="256" r:id="rId2"/>
     <p:sldId id="257" r:id="rId3"/>
     <p:sldId id="258" r:id="rId4"/>
-    <p:sldId id="259" r:id="rId5"/>
-    <p:sldId id="260" r:id="rId6"/>
-    <p:sldId id="261" r:id="rId7"/>
-    <p:sldId id="262" r:id="rId8"/>
-    <p:sldId id="266" r:id="rId9"/>
-    <p:sldId id="263" r:id="rId10"/>
-    <p:sldId id="264" r:id="rId11"/>
-    <p:sldId id="265" r:id="rId12"/>
+    <p:sldId id="267" r:id="rId5"/>
+    <p:sldId id="268" r:id="rId6"/>
+    <p:sldId id="259" r:id="rId7"/>
+    <p:sldId id="260" r:id="rId8"/>
+    <p:sldId id="261" r:id="rId9"/>
+    <p:sldId id="262" r:id="rId10"/>
+    <p:sldId id="266" r:id="rId11"/>
+    <p:sldId id="263" r:id="rId12"/>
+    <p:sldId id="264" r:id="rId13"/>
+    <p:sldId id="265" r:id="rId14"/>
   </p:sldIdLst>
   <p:sldSz cx="9144000" cy="6858000" type="screen4x3"/>
   <p:notesSz cx="6858000" cy="9144000"/>
@@ -298,7 +300,8 @@
           <a:p>
             <a:fld id="{601BC1D5-3D9D-4347-A4D1-BF7BBC0F7488}" type="datetimeFigureOut">
               <a:rPr lang="ru-RU" smtClean="0"/>
-              <a:t>22.01.2023</a:t>
+              <a:pPr/>
+              <a:t>27.01.2023</a:t>
             </a:fld>
             <a:endParaRPr lang="ru-RU"/>
           </a:p>
@@ -340,6 +343,7 @@
           <a:p>
             <a:fld id="{D3FEA4AB-5EFF-4415-B417-CC58FAA858B3}" type="slidenum">
               <a:rPr lang="ru-RU" smtClean="0"/>
+              <a:pPr/>
               <a:t>‹#›</a:t>
             </a:fld>
             <a:endParaRPr lang="ru-RU"/>
@@ -463,7 +467,8 @@
           <a:p>
             <a:fld id="{601BC1D5-3D9D-4347-A4D1-BF7BBC0F7488}" type="datetimeFigureOut">
               <a:rPr lang="ru-RU" smtClean="0"/>
-              <a:t>22.01.2023</a:t>
+              <a:pPr/>
+              <a:t>27.01.2023</a:t>
             </a:fld>
             <a:endParaRPr lang="ru-RU"/>
           </a:p>
@@ -505,6 +510,7 @@
           <a:p>
             <a:fld id="{D3FEA4AB-5EFF-4415-B417-CC58FAA858B3}" type="slidenum">
               <a:rPr lang="ru-RU" smtClean="0"/>
+              <a:pPr/>
               <a:t>‹#›</a:t>
             </a:fld>
             <a:endParaRPr lang="ru-RU"/>
@@ -638,7 +644,8 @@
           <a:p>
             <a:fld id="{601BC1D5-3D9D-4347-A4D1-BF7BBC0F7488}" type="datetimeFigureOut">
               <a:rPr lang="ru-RU" smtClean="0"/>
-              <a:t>22.01.2023</a:t>
+              <a:pPr/>
+              <a:t>27.01.2023</a:t>
             </a:fld>
             <a:endParaRPr lang="ru-RU"/>
           </a:p>
@@ -680,6 +687,7 @@
           <a:p>
             <a:fld id="{D3FEA4AB-5EFF-4415-B417-CC58FAA858B3}" type="slidenum">
               <a:rPr lang="ru-RU" smtClean="0"/>
+              <a:pPr/>
               <a:t>‹#›</a:t>
             </a:fld>
             <a:endParaRPr lang="ru-RU"/>
@@ -803,7 +811,8 @@
           <a:p>
             <a:fld id="{601BC1D5-3D9D-4347-A4D1-BF7BBC0F7488}" type="datetimeFigureOut">
               <a:rPr lang="ru-RU" smtClean="0"/>
-              <a:t>22.01.2023</a:t>
+              <a:pPr/>
+              <a:t>27.01.2023</a:t>
             </a:fld>
             <a:endParaRPr lang="ru-RU"/>
           </a:p>
@@ -845,6 +854,7 @@
           <a:p>
             <a:fld id="{D3FEA4AB-5EFF-4415-B417-CC58FAA858B3}" type="slidenum">
               <a:rPr lang="ru-RU" smtClean="0"/>
+              <a:pPr/>
               <a:t>‹#›</a:t>
             </a:fld>
             <a:endParaRPr lang="ru-RU"/>
@@ -1044,7 +1054,8 @@
           <a:p>
             <a:fld id="{601BC1D5-3D9D-4347-A4D1-BF7BBC0F7488}" type="datetimeFigureOut">
               <a:rPr lang="ru-RU" smtClean="0"/>
-              <a:t>22.01.2023</a:t>
+              <a:pPr/>
+              <a:t>27.01.2023</a:t>
             </a:fld>
             <a:endParaRPr lang="ru-RU"/>
           </a:p>
@@ -1086,6 +1097,7 @@
           <a:p>
             <a:fld id="{D3FEA4AB-5EFF-4415-B417-CC58FAA858B3}" type="slidenum">
               <a:rPr lang="ru-RU" smtClean="0"/>
+              <a:pPr/>
               <a:t>‹#›</a:t>
             </a:fld>
             <a:endParaRPr lang="ru-RU"/>
@@ -1327,7 +1339,8 @@
           <a:p>
             <a:fld id="{601BC1D5-3D9D-4347-A4D1-BF7BBC0F7488}" type="datetimeFigureOut">
               <a:rPr lang="ru-RU" smtClean="0"/>
-              <a:t>22.01.2023</a:t>
+              <a:pPr/>
+              <a:t>27.01.2023</a:t>
             </a:fld>
             <a:endParaRPr lang="ru-RU"/>
           </a:p>
@@ -1369,6 +1382,7 @@
           <a:p>
             <a:fld id="{D3FEA4AB-5EFF-4415-B417-CC58FAA858B3}" type="slidenum">
               <a:rPr lang="ru-RU" smtClean="0"/>
+              <a:pPr/>
               <a:t>‹#›</a:t>
             </a:fld>
             <a:endParaRPr lang="ru-RU"/>
@@ -1744,7 +1758,8 @@
           <a:p>
             <a:fld id="{601BC1D5-3D9D-4347-A4D1-BF7BBC0F7488}" type="datetimeFigureOut">
               <a:rPr lang="ru-RU" smtClean="0"/>
-              <a:t>22.01.2023</a:t>
+              <a:pPr/>
+              <a:t>27.01.2023</a:t>
             </a:fld>
             <a:endParaRPr lang="ru-RU"/>
           </a:p>
@@ -1786,6 +1801,7 @@
           <a:p>
             <a:fld id="{D3FEA4AB-5EFF-4415-B417-CC58FAA858B3}" type="slidenum">
               <a:rPr lang="ru-RU" smtClean="0"/>
+              <a:pPr/>
               <a:t>‹#›</a:t>
             </a:fld>
             <a:endParaRPr lang="ru-RU"/>
@@ -1857,7 +1873,8 @@
           <a:p>
             <a:fld id="{601BC1D5-3D9D-4347-A4D1-BF7BBC0F7488}" type="datetimeFigureOut">
               <a:rPr lang="ru-RU" smtClean="0"/>
-              <a:t>22.01.2023</a:t>
+              <a:pPr/>
+              <a:t>27.01.2023</a:t>
             </a:fld>
             <a:endParaRPr lang="ru-RU"/>
           </a:p>
@@ -1899,6 +1916,7 @@
           <a:p>
             <a:fld id="{D3FEA4AB-5EFF-4415-B417-CC58FAA858B3}" type="slidenum">
               <a:rPr lang="ru-RU" smtClean="0"/>
+              <a:pPr/>
               <a:t>‹#›</a:t>
             </a:fld>
             <a:endParaRPr lang="ru-RU"/>
@@ -1947,7 +1965,8 @@
           <a:p>
             <a:fld id="{601BC1D5-3D9D-4347-A4D1-BF7BBC0F7488}" type="datetimeFigureOut">
               <a:rPr lang="ru-RU" smtClean="0"/>
-              <a:t>22.01.2023</a:t>
+              <a:pPr/>
+              <a:t>27.01.2023</a:t>
             </a:fld>
             <a:endParaRPr lang="ru-RU"/>
           </a:p>
@@ -1989,6 +2008,7 @@
           <a:p>
             <a:fld id="{D3FEA4AB-5EFF-4415-B417-CC58FAA858B3}" type="slidenum">
               <a:rPr lang="ru-RU" smtClean="0"/>
+              <a:pPr/>
               <a:t>‹#›</a:t>
             </a:fld>
             <a:endParaRPr lang="ru-RU"/>
@@ -2219,7 +2239,8 @@
           <a:p>
             <a:fld id="{601BC1D5-3D9D-4347-A4D1-BF7BBC0F7488}" type="datetimeFigureOut">
               <a:rPr lang="ru-RU" smtClean="0"/>
-              <a:t>22.01.2023</a:t>
+              <a:pPr/>
+              <a:t>27.01.2023</a:t>
             </a:fld>
             <a:endParaRPr lang="ru-RU"/>
           </a:p>
@@ -2261,6 +2282,7 @@
           <a:p>
             <a:fld id="{D3FEA4AB-5EFF-4415-B417-CC58FAA858B3}" type="slidenum">
               <a:rPr lang="ru-RU" smtClean="0"/>
+              <a:pPr/>
               <a:t>‹#›</a:t>
             </a:fld>
             <a:endParaRPr lang="ru-RU"/>
@@ -2467,7 +2489,8 @@
           <a:p>
             <a:fld id="{601BC1D5-3D9D-4347-A4D1-BF7BBC0F7488}" type="datetimeFigureOut">
               <a:rPr lang="ru-RU" smtClean="0"/>
-              <a:t>22.01.2023</a:t>
+              <a:pPr/>
+              <a:t>27.01.2023</a:t>
             </a:fld>
             <a:endParaRPr lang="ru-RU"/>
           </a:p>
@@ -2509,6 +2532,7 @@
           <a:p>
             <a:fld id="{D3FEA4AB-5EFF-4415-B417-CC58FAA858B3}" type="slidenum">
               <a:rPr lang="ru-RU" smtClean="0"/>
+              <a:pPr/>
               <a:t>‹#›</a:t>
             </a:fld>
             <a:endParaRPr lang="ru-RU"/>
@@ -2675,7 +2699,8 @@
           <a:p>
             <a:fld id="{601BC1D5-3D9D-4347-A4D1-BF7BBC0F7488}" type="datetimeFigureOut">
               <a:rPr lang="ru-RU" smtClean="0"/>
-              <a:t>22.01.2023</a:t>
+              <a:pPr/>
+              <a:t>27.01.2023</a:t>
             </a:fld>
             <a:endParaRPr lang="ru-RU"/>
           </a:p>
@@ -2753,6 +2778,7 @@
           <a:p>
             <a:fld id="{D3FEA4AB-5EFF-4415-B417-CC58FAA858B3}" type="slidenum">
               <a:rPr lang="ru-RU" smtClean="0"/>
+              <a:pPr/>
               <a:t>‹#›</a:t>
             </a:fld>
             <a:endParaRPr lang="ru-RU"/>
@@ -3155,6 +3181,217 @@
         <p:spPr>
           <a:xfrm>
             <a:off x="457200" y="274638"/>
+            <a:ext cx="8229600" cy="562074"/>
+          </a:xfrm>
+        </p:spPr>
+        <p:txBody>
+          <a:bodyPr>
+            <a:normAutofit fontScale="90000"/>
+          </a:bodyPr>
+          <a:lstStyle/>
+          <a:p>
+            <a:r>
+              <a:rPr lang="ru-RU" dirty="0" smtClean="0"/>
+              <a:t>Класс времени</a:t>
+            </a:r>
+            <a:endParaRPr lang="ru-RU" dirty="0"/>
+          </a:p>
+        </p:txBody>
+      </p:sp>
+      <p:sp>
+        <p:nvSpPr>
+          <p:cNvPr id="3" name="Содержимое 2"/>
+          <p:cNvSpPr>
+            <a:spLocks noGrp="1"/>
+          </p:cNvSpPr>
+          <p:nvPr>
+            <p:ph idx="1"/>
+          </p:nvPr>
+        </p:nvSpPr>
+        <p:spPr>
+          <a:xfrm>
+            <a:off x="5364088" y="1600200"/>
+            <a:ext cx="3322712" cy="4525963"/>
+          </a:xfrm>
+        </p:spPr>
+        <p:txBody>
+          <a:bodyPr/>
+          <a:lstStyle/>
+          <a:p>
+            <a:r>
+              <a:rPr lang="ru-RU" dirty="0" smtClean="0"/>
+              <a:t>Каждую секунду спрайт меняется на цифру меньшую на единицу данной.</a:t>
+            </a:r>
+            <a:endParaRPr lang="ru-RU" dirty="0"/>
+          </a:p>
+        </p:txBody>
+      </p:sp>
+      <p:pic>
+        <p:nvPicPr>
+          <p:cNvPr id="7170" name="Picture 2" descr="C:\Users\Artem\Desktop\Снимок.8PNG.PNG"/>
+          <p:cNvPicPr>
+            <a:picLocks noChangeAspect="1" noChangeArrowheads="1"/>
+          </p:cNvPicPr>
+          <p:nvPr/>
+        </p:nvPicPr>
+        <p:blipFill>
+          <a:blip r:embed="rId2" cstate="print"/>
+          <a:srcRect/>
+          <a:stretch>
+            <a:fillRect/>
+          </a:stretch>
+        </p:blipFill>
+        <p:spPr bwMode="auto">
+          <a:xfrm>
+            <a:off x="0" y="1235314"/>
+            <a:ext cx="5076056" cy="5622686"/>
+          </a:xfrm>
+          <a:prstGeom prst="rect">
+            <a:avLst/>
+          </a:prstGeom>
+          <a:noFill/>
+        </p:spPr>
+      </p:pic>
+    </p:spTree>
+  </p:cSld>
+  <p:clrMapOvr>
+    <a:masterClrMapping/>
+  </p:clrMapOvr>
+</p:sld>
+</file>
+
+<file path=ppt/slides/slide11.xml><?xml version="1.0" encoding="utf-8"?>
+<p:sld xmlns:a="http://schemas.openxmlformats.org/drawingml/2006/main" xmlns:r="http://schemas.openxmlformats.org/officeDocument/2006/relationships" xmlns:p="http://schemas.openxmlformats.org/presentationml/2006/main">
+  <p:cSld>
+    <p:spTree>
+      <p:nvGrpSpPr>
+        <p:cNvPr id="1" name=""/>
+        <p:cNvGrpSpPr/>
+        <p:nvPr/>
+      </p:nvGrpSpPr>
+      <p:grpSpPr>
+        <a:xfrm>
+          <a:off x="0" y="0"/>
+          <a:ext cx="0" cy="0"/>
+          <a:chOff x="0" y="0"/>
+          <a:chExt cx="0" cy="0"/>
+        </a:xfrm>
+      </p:grpSpPr>
+      <p:sp>
+        <p:nvSpPr>
+          <p:cNvPr id="2" name="Заголовок 1"/>
+          <p:cNvSpPr>
+            <a:spLocks noGrp="1"/>
+          </p:cNvSpPr>
+          <p:nvPr>
+            <p:ph type="title"/>
+          </p:nvPr>
+        </p:nvSpPr>
+        <p:spPr/>
+        <p:txBody>
+          <a:bodyPr/>
+          <a:lstStyle/>
+          <a:p>
+            <a:r>
+              <a:rPr lang="ru-RU" dirty="0" smtClean="0"/>
+              <a:t>Класс звезд</a:t>
+            </a:r>
+            <a:endParaRPr lang="ru-RU" dirty="0"/>
+          </a:p>
+        </p:txBody>
+      </p:sp>
+      <p:sp>
+        <p:nvSpPr>
+          <p:cNvPr id="3" name="Содержимое 2"/>
+          <p:cNvSpPr>
+            <a:spLocks noGrp="1"/>
+          </p:cNvSpPr>
+          <p:nvPr>
+            <p:ph idx="1"/>
+          </p:nvPr>
+        </p:nvSpPr>
+        <p:spPr>
+          <a:xfrm>
+            <a:off x="4932040" y="1600200"/>
+            <a:ext cx="3754760" cy="4525963"/>
+          </a:xfrm>
+        </p:spPr>
+        <p:txBody>
+          <a:bodyPr/>
+          <a:lstStyle/>
+          <a:p>
+            <a:r>
+              <a:rPr lang="ru-RU" dirty="0" smtClean="0"/>
+              <a:t>По завершению уровня на пушку летят звезды</a:t>
+            </a:r>
+            <a:endParaRPr lang="ru-RU" dirty="0"/>
+          </a:p>
+        </p:txBody>
+      </p:sp>
+      <p:pic>
+        <p:nvPicPr>
+          <p:cNvPr id="5122" name="Picture 2" descr="C:\Users\Artem\Desktop\Снимок.PNG"/>
+          <p:cNvPicPr>
+            <a:picLocks noChangeAspect="1" noChangeArrowheads="1"/>
+          </p:cNvPicPr>
+          <p:nvPr/>
+        </p:nvPicPr>
+        <p:blipFill>
+          <a:blip r:embed="rId2" cstate="print"/>
+          <a:srcRect/>
+          <a:stretch>
+            <a:fillRect/>
+          </a:stretch>
+        </p:blipFill>
+        <p:spPr bwMode="auto">
+          <a:xfrm>
+            <a:off x="1" y="1726220"/>
+            <a:ext cx="4427984" cy="5131779"/>
+          </a:xfrm>
+          <a:prstGeom prst="rect">
+            <a:avLst/>
+          </a:prstGeom>
+          <a:noFill/>
+        </p:spPr>
+      </p:pic>
+    </p:spTree>
+  </p:cSld>
+  <p:clrMapOvr>
+    <a:masterClrMapping/>
+  </p:clrMapOvr>
+</p:sld>
+</file>
+
+<file path=ppt/slides/slide12.xml><?xml version="1.0" encoding="utf-8"?>
+<p:sld xmlns:a="http://schemas.openxmlformats.org/drawingml/2006/main" xmlns:r="http://schemas.openxmlformats.org/officeDocument/2006/relationships" xmlns:p="http://schemas.openxmlformats.org/presentationml/2006/main">
+  <p:cSld>
+    <p:spTree>
+      <p:nvGrpSpPr>
+        <p:cNvPr id="1" name=""/>
+        <p:cNvGrpSpPr/>
+        <p:nvPr/>
+      </p:nvGrpSpPr>
+      <p:grpSpPr>
+        <a:xfrm>
+          <a:off x="0" y="0"/>
+          <a:ext cx="0" cy="0"/>
+          <a:chOff x="0" y="0"/>
+          <a:chExt cx="0" cy="0"/>
+        </a:xfrm>
+      </p:grpSpPr>
+      <p:sp>
+        <p:nvSpPr>
+          <p:cNvPr id="2" name="Заголовок 1"/>
+          <p:cNvSpPr>
+            <a:spLocks noGrp="1"/>
+          </p:cNvSpPr>
+          <p:nvPr>
+            <p:ph type="title"/>
+          </p:nvPr>
+        </p:nvSpPr>
+        <p:spPr>
+          <a:xfrm>
+            <a:off x="457200" y="274638"/>
             <a:ext cx="8229600" cy="850106"/>
           </a:xfrm>
         </p:spPr>
@@ -3248,7 +3485,7 @@
 </p:sld>
 </file>
 
-<file path=ppt/slides/slide11.xml><?xml version="1.0" encoding="utf-8"?>
+<file path=ppt/slides/slide13.xml><?xml version="1.0" encoding="utf-8"?>
 <p:sld xmlns:a="http://schemas.openxmlformats.org/drawingml/2006/main" xmlns:r="http://schemas.openxmlformats.org/officeDocument/2006/relationships" xmlns:p="http://schemas.openxmlformats.org/presentationml/2006/main">
   <p:cSld>
     <p:spTree>
@@ -3500,6 +3737,16 @@
               <a:rPr lang="en-US" dirty="0" err="1" smtClean="0"/>
               <a:t>PyGame</a:t>
             </a:r>
+            <a:endParaRPr lang="ru-RU" dirty="0" smtClean="0"/>
+          </a:p>
+          <a:p>
+            <a:pPr marL="514350" indent="-514350">
+              <a:buAutoNum type="arabicParenR"/>
+            </a:pPr>
+            <a:r>
+              <a:rPr lang="en-US" dirty="0" err="1" smtClean="0"/>
+              <a:t>Datetime</a:t>
+            </a:r>
             <a:endParaRPr lang="ru-RU" dirty="0"/>
           </a:p>
         </p:txBody>
@@ -3513,6 +3760,184 @@
 </file>
 
 <file path=ppt/slides/slide4.xml><?xml version="1.0" encoding="utf-8"?>
+<p:sld xmlns:a="http://schemas.openxmlformats.org/drawingml/2006/main" xmlns:r="http://schemas.openxmlformats.org/officeDocument/2006/relationships" xmlns:p="http://schemas.openxmlformats.org/presentationml/2006/main">
+  <p:cSld>
+    <p:spTree>
+      <p:nvGrpSpPr>
+        <p:cNvPr id="1" name=""/>
+        <p:cNvGrpSpPr/>
+        <p:nvPr/>
+      </p:nvGrpSpPr>
+      <p:grpSpPr>
+        <a:xfrm>
+          <a:off x="0" y="0"/>
+          <a:ext cx="0" cy="0"/>
+          <a:chOff x="0" y="0"/>
+          <a:chExt cx="0" cy="0"/>
+        </a:xfrm>
+      </p:grpSpPr>
+      <p:sp>
+        <p:nvSpPr>
+          <p:cNvPr id="2" name="Заголовок 1"/>
+          <p:cNvSpPr>
+            <a:spLocks noGrp="1"/>
+          </p:cNvSpPr>
+          <p:nvPr>
+            <p:ph type="title"/>
+          </p:nvPr>
+        </p:nvSpPr>
+        <p:spPr/>
+        <p:txBody>
+          <a:bodyPr/>
+          <a:lstStyle/>
+          <a:p>
+            <a:endParaRPr lang="ru-RU" dirty="0"/>
+          </a:p>
+        </p:txBody>
+      </p:sp>
+      <p:sp>
+        <p:nvSpPr>
+          <p:cNvPr id="3" name="Содержимое 2"/>
+          <p:cNvSpPr>
+            <a:spLocks noGrp="1"/>
+          </p:cNvSpPr>
+          <p:nvPr>
+            <p:ph idx="1"/>
+          </p:nvPr>
+        </p:nvSpPr>
+        <p:spPr/>
+        <p:txBody>
+          <a:bodyPr/>
+          <a:lstStyle/>
+          <a:p>
+            <a:endParaRPr lang="ru-RU"/>
+          </a:p>
+        </p:txBody>
+      </p:sp>
+      <p:pic>
+        <p:nvPicPr>
+          <p:cNvPr id="1026" name="Picture 2" descr="C:\Users\Artem\Desktop\Снимок.PNG"/>
+          <p:cNvPicPr>
+            <a:picLocks noChangeAspect="1" noChangeArrowheads="1"/>
+          </p:cNvPicPr>
+          <p:nvPr/>
+        </p:nvPicPr>
+        <p:blipFill>
+          <a:blip r:embed="rId2" cstate="print"/>
+          <a:srcRect/>
+          <a:stretch>
+            <a:fillRect/>
+          </a:stretch>
+        </p:blipFill>
+        <p:spPr bwMode="auto">
+          <a:xfrm>
+            <a:off x="1475656" y="980728"/>
+            <a:ext cx="6497638" cy="5200650"/>
+          </a:xfrm>
+          <a:prstGeom prst="rect">
+            <a:avLst/>
+          </a:prstGeom>
+          <a:noFill/>
+        </p:spPr>
+      </p:pic>
+    </p:spTree>
+  </p:cSld>
+  <p:clrMapOvr>
+    <a:masterClrMapping/>
+  </p:clrMapOvr>
+</p:sld>
+</file>
+
+<file path=ppt/slides/slide5.xml><?xml version="1.0" encoding="utf-8"?>
+<p:sld xmlns:a="http://schemas.openxmlformats.org/drawingml/2006/main" xmlns:r="http://schemas.openxmlformats.org/officeDocument/2006/relationships" xmlns:p="http://schemas.openxmlformats.org/presentationml/2006/main">
+  <p:cSld>
+    <p:spTree>
+      <p:nvGrpSpPr>
+        <p:cNvPr id="1" name=""/>
+        <p:cNvGrpSpPr/>
+        <p:nvPr/>
+      </p:nvGrpSpPr>
+      <p:grpSpPr>
+        <a:xfrm>
+          <a:off x="0" y="0"/>
+          <a:ext cx="0" cy="0"/>
+          <a:chOff x="0" y="0"/>
+          <a:chExt cx="0" cy="0"/>
+        </a:xfrm>
+      </p:grpSpPr>
+      <p:sp>
+        <p:nvSpPr>
+          <p:cNvPr id="2" name="Заголовок 1"/>
+          <p:cNvSpPr>
+            <a:spLocks noGrp="1"/>
+          </p:cNvSpPr>
+          <p:nvPr>
+            <p:ph type="title"/>
+          </p:nvPr>
+        </p:nvSpPr>
+        <p:spPr/>
+        <p:txBody>
+          <a:bodyPr/>
+          <a:lstStyle/>
+          <a:p>
+            <a:endParaRPr lang="ru-RU"/>
+          </a:p>
+        </p:txBody>
+      </p:sp>
+      <p:sp>
+        <p:nvSpPr>
+          <p:cNvPr id="3" name="Содержимое 2"/>
+          <p:cNvSpPr>
+            <a:spLocks noGrp="1"/>
+          </p:cNvSpPr>
+          <p:nvPr>
+            <p:ph idx="1"/>
+          </p:nvPr>
+        </p:nvSpPr>
+        <p:spPr/>
+        <p:txBody>
+          <a:bodyPr/>
+          <a:lstStyle/>
+          <a:p>
+            <a:endParaRPr lang="ru-RU"/>
+          </a:p>
+        </p:txBody>
+      </p:sp>
+      <p:pic>
+        <p:nvPicPr>
+          <p:cNvPr id="2050" name="Picture 2" descr="C:\Users\Artem\Desktop\Снимок.2PNG.PNG"/>
+          <p:cNvPicPr>
+            <a:picLocks noChangeAspect="1" noChangeArrowheads="1"/>
+          </p:cNvPicPr>
+          <p:nvPr/>
+        </p:nvPicPr>
+        <p:blipFill>
+          <a:blip r:embed="rId2" cstate="print"/>
+          <a:srcRect/>
+          <a:stretch>
+            <a:fillRect/>
+          </a:stretch>
+        </p:blipFill>
+        <p:spPr bwMode="auto">
+          <a:xfrm>
+            <a:off x="1115616" y="332656"/>
+            <a:ext cx="5907375" cy="6120680"/>
+          </a:xfrm>
+          <a:prstGeom prst="rect">
+            <a:avLst/>
+          </a:prstGeom>
+          <a:noFill/>
+        </p:spPr>
+      </p:pic>
+    </p:spTree>
+  </p:cSld>
+  <p:clrMapOvr>
+    <a:masterClrMapping/>
+  </p:clrMapOvr>
+</p:sld>
+</file>
+
+<file path=ppt/slides/slide6.xml><?xml version="1.0" encoding="utf-8"?>
 <p:sld xmlns:a="http://schemas.openxmlformats.org/drawingml/2006/main" xmlns:r="http://schemas.openxmlformats.org/officeDocument/2006/relationships" xmlns:p="http://schemas.openxmlformats.org/presentationml/2006/main">
   <p:cSld>
     <p:spTree>
@@ -3618,7 +4043,7 @@
 </p:sld>
 </file>
 
-<file path=ppt/slides/slide5.xml><?xml version="1.0" encoding="utf-8"?>
+<file path=ppt/slides/slide7.xml><?xml version="1.0" encoding="utf-8"?>
 <p:sld xmlns:a="http://schemas.openxmlformats.org/drawingml/2006/main" xmlns:r="http://schemas.openxmlformats.org/officeDocument/2006/relationships" xmlns:p="http://schemas.openxmlformats.org/presentationml/2006/main">
   <p:cSld>
     <p:spTree>
@@ -3753,7 +4178,7 @@
 </p:sld>
 </file>
 
-<file path=ppt/slides/slide6.xml><?xml version="1.0" encoding="utf-8"?>
+<file path=ppt/slides/slide8.xml><?xml version="1.0" encoding="utf-8"?>
 <p:sld xmlns:a="http://schemas.openxmlformats.org/drawingml/2006/main" xmlns:r="http://schemas.openxmlformats.org/officeDocument/2006/relationships" xmlns:p="http://schemas.openxmlformats.org/presentationml/2006/main">
   <p:cSld>
     <p:spTree>
@@ -3876,7 +4301,7 @@
 </p:sld>
 </file>
 
-<file path=ppt/slides/slide7.xml><?xml version="1.0" encoding="utf-8"?>
+<file path=ppt/slides/slide9.xml><?xml version="1.0" encoding="utf-8"?>
 <p:sld xmlns:a="http://schemas.openxmlformats.org/drawingml/2006/main" xmlns:r="http://schemas.openxmlformats.org/officeDocument/2006/relationships" xmlns:p="http://schemas.openxmlformats.org/presentationml/2006/main">
   <p:cSld>
     <p:spTree>
@@ -3998,217 +4423,6 @@
           <a:xfrm>
             <a:off x="0" y="1124744"/>
             <a:ext cx="3096344" cy="2520280"/>
-          </a:xfrm>
-          <a:prstGeom prst="rect">
-            <a:avLst/>
-          </a:prstGeom>
-          <a:noFill/>
-        </p:spPr>
-      </p:pic>
-    </p:spTree>
-  </p:cSld>
-  <p:clrMapOvr>
-    <a:masterClrMapping/>
-  </p:clrMapOvr>
-</p:sld>
-</file>
-
-<file path=ppt/slides/slide8.xml><?xml version="1.0" encoding="utf-8"?>
-<p:sld xmlns:a="http://schemas.openxmlformats.org/drawingml/2006/main" xmlns:r="http://schemas.openxmlformats.org/officeDocument/2006/relationships" xmlns:p="http://schemas.openxmlformats.org/presentationml/2006/main">
-  <p:cSld>
-    <p:spTree>
-      <p:nvGrpSpPr>
-        <p:cNvPr id="1" name=""/>
-        <p:cNvGrpSpPr/>
-        <p:nvPr/>
-      </p:nvGrpSpPr>
-      <p:grpSpPr>
-        <a:xfrm>
-          <a:off x="0" y="0"/>
-          <a:ext cx="0" cy="0"/>
-          <a:chOff x="0" y="0"/>
-          <a:chExt cx="0" cy="0"/>
-        </a:xfrm>
-      </p:grpSpPr>
-      <p:sp>
-        <p:nvSpPr>
-          <p:cNvPr id="2" name="Заголовок 1"/>
-          <p:cNvSpPr>
-            <a:spLocks noGrp="1"/>
-          </p:cNvSpPr>
-          <p:nvPr>
-            <p:ph type="title"/>
-          </p:nvPr>
-        </p:nvSpPr>
-        <p:spPr>
-          <a:xfrm>
-            <a:off x="457200" y="274638"/>
-            <a:ext cx="8229600" cy="562074"/>
-          </a:xfrm>
-        </p:spPr>
-        <p:txBody>
-          <a:bodyPr>
-            <a:normAutofit fontScale="90000"/>
-          </a:bodyPr>
-          <a:lstStyle/>
-          <a:p>
-            <a:r>
-              <a:rPr lang="ru-RU" dirty="0" smtClean="0"/>
-              <a:t>Класс времени</a:t>
-            </a:r>
-            <a:endParaRPr lang="ru-RU" dirty="0"/>
-          </a:p>
-        </p:txBody>
-      </p:sp>
-      <p:sp>
-        <p:nvSpPr>
-          <p:cNvPr id="3" name="Содержимое 2"/>
-          <p:cNvSpPr>
-            <a:spLocks noGrp="1"/>
-          </p:cNvSpPr>
-          <p:nvPr>
-            <p:ph idx="1"/>
-          </p:nvPr>
-        </p:nvSpPr>
-        <p:spPr>
-          <a:xfrm>
-            <a:off x="5364088" y="1600200"/>
-            <a:ext cx="3322712" cy="4525963"/>
-          </a:xfrm>
-        </p:spPr>
-        <p:txBody>
-          <a:bodyPr/>
-          <a:lstStyle/>
-          <a:p>
-            <a:r>
-              <a:rPr lang="ru-RU" dirty="0" smtClean="0"/>
-              <a:t>Каждую секунду спрайт меняется на цифру меньшую на единицу данной.</a:t>
-            </a:r>
-            <a:endParaRPr lang="ru-RU" dirty="0"/>
-          </a:p>
-        </p:txBody>
-      </p:sp>
-      <p:pic>
-        <p:nvPicPr>
-          <p:cNvPr id="7170" name="Picture 2" descr="C:\Users\Artem\Desktop\Снимок.8PNG.PNG"/>
-          <p:cNvPicPr>
-            <a:picLocks noChangeAspect="1" noChangeArrowheads="1"/>
-          </p:cNvPicPr>
-          <p:nvPr/>
-        </p:nvPicPr>
-        <p:blipFill>
-          <a:blip r:embed="rId2" cstate="print"/>
-          <a:srcRect/>
-          <a:stretch>
-            <a:fillRect/>
-          </a:stretch>
-        </p:blipFill>
-        <p:spPr bwMode="auto">
-          <a:xfrm>
-            <a:off x="0" y="1235314"/>
-            <a:ext cx="5076056" cy="5622686"/>
-          </a:xfrm>
-          <a:prstGeom prst="rect">
-            <a:avLst/>
-          </a:prstGeom>
-          <a:noFill/>
-        </p:spPr>
-      </p:pic>
-    </p:spTree>
-  </p:cSld>
-  <p:clrMapOvr>
-    <a:masterClrMapping/>
-  </p:clrMapOvr>
-</p:sld>
-</file>
-
-<file path=ppt/slides/slide9.xml><?xml version="1.0" encoding="utf-8"?>
-<p:sld xmlns:a="http://schemas.openxmlformats.org/drawingml/2006/main" xmlns:r="http://schemas.openxmlformats.org/officeDocument/2006/relationships" xmlns:p="http://schemas.openxmlformats.org/presentationml/2006/main">
-  <p:cSld>
-    <p:spTree>
-      <p:nvGrpSpPr>
-        <p:cNvPr id="1" name=""/>
-        <p:cNvGrpSpPr/>
-        <p:nvPr/>
-      </p:nvGrpSpPr>
-      <p:grpSpPr>
-        <a:xfrm>
-          <a:off x="0" y="0"/>
-          <a:ext cx="0" cy="0"/>
-          <a:chOff x="0" y="0"/>
-          <a:chExt cx="0" cy="0"/>
-        </a:xfrm>
-      </p:grpSpPr>
-      <p:sp>
-        <p:nvSpPr>
-          <p:cNvPr id="2" name="Заголовок 1"/>
-          <p:cNvSpPr>
-            <a:spLocks noGrp="1"/>
-          </p:cNvSpPr>
-          <p:nvPr>
-            <p:ph type="title"/>
-          </p:nvPr>
-        </p:nvSpPr>
-        <p:spPr/>
-        <p:txBody>
-          <a:bodyPr/>
-          <a:lstStyle/>
-          <a:p>
-            <a:r>
-              <a:rPr lang="ru-RU" dirty="0" smtClean="0"/>
-              <a:t>Класс звезд</a:t>
-            </a:r>
-            <a:endParaRPr lang="ru-RU" dirty="0"/>
-          </a:p>
-        </p:txBody>
-      </p:sp>
-      <p:sp>
-        <p:nvSpPr>
-          <p:cNvPr id="3" name="Содержимое 2"/>
-          <p:cNvSpPr>
-            <a:spLocks noGrp="1"/>
-          </p:cNvSpPr>
-          <p:nvPr>
-            <p:ph idx="1"/>
-          </p:nvPr>
-        </p:nvSpPr>
-        <p:spPr>
-          <a:xfrm>
-            <a:off x="4932040" y="1600200"/>
-            <a:ext cx="3754760" cy="4525963"/>
-          </a:xfrm>
-        </p:spPr>
-        <p:txBody>
-          <a:bodyPr/>
-          <a:lstStyle/>
-          <a:p>
-            <a:r>
-              <a:rPr lang="ru-RU" dirty="0" smtClean="0"/>
-              <a:t>По завершению уровня на пушку летят звезды</a:t>
-            </a:r>
-            <a:endParaRPr lang="ru-RU" dirty="0"/>
-          </a:p>
-        </p:txBody>
-      </p:sp>
-      <p:pic>
-        <p:nvPicPr>
-          <p:cNvPr id="5122" name="Picture 2" descr="C:\Users\Artem\Desktop\Снимок.PNG"/>
-          <p:cNvPicPr>
-            <a:picLocks noChangeAspect="1" noChangeArrowheads="1"/>
-          </p:cNvPicPr>
-          <p:nvPr/>
-        </p:nvPicPr>
-        <p:blipFill>
-          <a:blip r:embed="rId2" cstate="print"/>
-          <a:srcRect/>
-          <a:stretch>
-            <a:fillRect/>
-          </a:stretch>
-        </p:blipFill>
-        <p:spPr bwMode="auto">
-          <a:xfrm>
-            <a:off x="1" y="1726220"/>
-            <a:ext cx="4427984" cy="5131779"/>
           </a:xfrm>
           <a:prstGeom prst="rect">
             <a:avLst/>
